--- a/Powerpoint-Markdown.pptx
+++ b/Powerpoint-Markdown.pptx
@@ -10,6 +10,7 @@
     <p:sldId id="258" r:id="rId4"/>
     <p:sldId id="259" r:id="rId5"/>
     <p:sldId id="260" r:id="rId6"/>
+    <p:sldId id="261" r:id="rId7"/>
   </p:sldIdLst>
   <p:sldSz cx="9144000" cy="5143500" type="screen16x9"/>
   <p:notesSz cx="6858000" cy="9144000"/>
@@ -3405,7 +3406,159 @@
             </a:pPr>
             <a:r>
               <a:rPr/>
-              <a:t>Slide with R Output</a:t>
+              <a:t>Multiple Sequence Analysis – Species List</a:t>
+            </a:r>
+          </a:p>
+        </p:txBody>
+      </p:sp>
+      <p:sp>
+        <p:nvSpPr>
+          <p:cNvPr id="3" name="Content Placeholder 2"/>
+          <p:cNvSpPr>
+            <a:spLocks noGrp="1"/>
+          </p:cNvSpPr>
+          <p:nvPr>
+            <p:ph idx="1"/>
+          </p:nvPr>
+        </p:nvSpPr>
+        <p:spPr/>
+        <p:txBody>
+          <a:bodyPr/>
+          <a:lstStyle/>
+          <a:p>
+            <a:pPr lvl="0" indent="0" marL="0">
+              <a:buNone/>
+            </a:pPr>
+            <a:r>
+              <a:rPr b="1"/>
+              <a:t>Great Apes:</a:t>
+            </a:r>
+            <a:r>
+              <a:rPr/>
+              <a:t> </a:t>
+            </a:r>
+            <a:r>
+              <a:rPr i="1"/>
+              <a:t>Homo sapiens</a:t>
+            </a:r>
+            <a:r>
+              <a:rPr/>
+              <a:t> – Human; </a:t>
+            </a:r>
+            <a:r>
+              <a:rPr i="1"/>
+              <a:t>Pan troglodytes</a:t>
+            </a:r>
+            <a:r>
+              <a:rPr/>
+              <a:t> – Common chimpanzee; </a:t>
+            </a:r>
+            <a:r>
+              <a:rPr i="1"/>
+              <a:t>Pan paniscus</a:t>
+            </a:r>
+            <a:r>
+              <a:rPr/>
+              <a:t> – Bonobo; </a:t>
+            </a:r>
+            <a:r>
+              <a:rPr i="1"/>
+              <a:t>Gorilla gorilla</a:t>
+            </a:r>
+            <a:r>
+              <a:rPr/>
+              <a:t> – Western gorilla; </a:t>
+            </a:r>
+            <a:r>
+              <a:rPr i="1"/>
+              <a:t>Pongo abelii</a:t>
+            </a:r>
+            <a:r>
+              <a:rPr/>
+              <a:t> – Sumatran orangutan; </a:t>
+            </a:r>
+            <a:r>
+              <a:rPr i="1"/>
+              <a:t>Nomascus leucogenys</a:t>
+            </a:r>
+            <a:r>
+              <a:rPr/>
+              <a:t> – Northern white-cheeked gibbon</a:t>
+            </a:r>
+            <a:br/>
+            <a:r>
+              <a:rPr b="1"/>
+              <a:t>Old World Monkeys:</a:t>
+            </a:r>
+            <a:r>
+              <a:rPr/>
+              <a:t> </a:t>
+            </a:r>
+            <a:r>
+              <a:rPr i="1"/>
+              <a:t>Macaca mulatta</a:t>
+            </a:r>
+            <a:r>
+              <a:rPr/>
+              <a:t> – Rhesus macaque; </a:t>
+            </a:r>
+            <a:r>
+              <a:rPr i="1"/>
+              <a:t>Papio anubis</a:t>
+            </a:r>
+            <a:r>
+              <a:rPr/>
+              <a:t> – Olive baboon</a:t>
+            </a:r>
+            <a:br/>
+            <a:r>
+              <a:rPr b="1"/>
+              <a:t>New World Monkeys:</a:t>
+            </a:r>
+            <a:r>
+              <a:rPr/>
+              <a:t> </a:t>
+            </a:r>
+            <a:r>
+              <a:rPr i="1"/>
+              <a:t>Cebus capucinus</a:t>
+            </a:r>
+            <a:r>
+              <a:rPr/>
+              <a:t> – White-faced capuchin; </a:t>
+            </a:r>
+            <a:r>
+              <a:rPr i="1"/>
+              <a:t>Saimiri boliviensis</a:t>
+            </a:r>
+            <a:r>
+              <a:rPr/>
+              <a:t> – Bolivian squirrel monkey; </a:t>
+            </a:r>
+            <a:r>
+              <a:rPr i="1"/>
+              <a:t>Callithrix jacchus</a:t>
+            </a:r>
+            <a:r>
+              <a:rPr/>
+              <a:t> – Common marmoset</a:t>
+            </a:r>
+            <a:br/>
+            <a:r>
+              <a:rPr b="1"/>
+              <a:t>Strepsirrhines:</a:t>
+            </a:r>
+            <a:r>
+              <a:rPr/>
+              <a:t> </a:t>
+            </a:r>
+            <a:r>
+              <a:rPr i="1"/>
+              <a:t>Lemur catta</a:t>
+            </a:r>
+            <a:r>
+              <a:rPr/>
+              <a:t> – Ring-tailed lemur</a:t>
             </a:r>
           </a:p>
         </p:txBody>
@@ -3416,6 +3569,53 @@
 </file>
 
 <file path=ppt/slides/slide5.xml><?xml version="1.0" encoding="utf-8"?>
+<p:sld xmlns:a="http://schemas.openxmlformats.org/drawingml/2006/main" xmlns:r="http://schemas.openxmlformats.org/officeDocument/2006/relationships" xmlns:p="http://schemas.openxmlformats.org/presentationml/2006/main">
+  <p:cSld>
+    <p:spTree>
+      <p:nvGrpSpPr>
+        <p:cNvPr id="1" name=""/>
+        <p:cNvGrpSpPr/>
+        <p:nvPr/>
+      </p:nvGrpSpPr>
+      <p:grpSpPr>
+        <a:xfrm>
+          <a:off x="0" y="0"/>
+          <a:ext cx="0" cy="0"/>
+          <a:chOff x="0" y="0"/>
+          <a:chExt cx="0" cy="0"/>
+        </a:xfrm>
+      </p:grpSpPr>
+      <p:sp>
+        <p:nvSpPr>
+          <p:cNvPr id="2" name="Title 1"/>
+          <p:cNvSpPr>
+            <a:spLocks noGrp="1"/>
+          </p:cNvSpPr>
+          <p:nvPr>
+            <p:ph type="title"/>
+          </p:nvPr>
+        </p:nvSpPr>
+        <p:spPr/>
+        <p:txBody>
+          <a:bodyPr/>
+          <a:lstStyle/>
+          <a:p>
+            <a:pPr lvl="0" indent="0" marL="0">
+              <a:buNone/>
+            </a:pPr>
+            <a:r>
+              <a:rPr/>
+              <a:t>Molecular</a:t>
+            </a:r>
+          </a:p>
+        </p:txBody>
+      </p:sp>
+    </p:spTree>
+  </p:cSld>
+</p:sld>
+</file>
+
+<file path=ppt/slides/slide6.xml><?xml version="1.0" encoding="utf-8"?>
 <p:sld xmlns:a="http://schemas.openxmlformats.org/drawingml/2006/main" xmlns:r="http://schemas.openxmlformats.org/officeDocument/2006/relationships" xmlns:p="http://schemas.openxmlformats.org/presentationml/2006/main">
   <p:cSld>
     <p:spTree>

--- a/Powerpoint-Markdown.pptx
+++ b/Powerpoint-Markdown.pptx
@@ -11,6 +11,7 @@
     <p:sldId id="259" r:id="rId5"/>
     <p:sldId id="260" r:id="rId6"/>
     <p:sldId id="261" r:id="rId7"/>
+    <p:sldId id="262" r:id="rId8"/>
   </p:sldIdLst>
   <p:sldSz cx="9144000" cy="5143500" type="screen16x9"/>
   <p:notesSz cx="6858000" cy="9144000"/>
@@ -3595,21 +3596,743 @@
             <p:ph type="title"/>
           </p:nvPr>
         </p:nvSpPr>
+        <p:spPr>
+          <a:xfrm>
+            <a:off x="457201" y="204787"/>
+            <a:ext cx="3008313" cy="871538"/>
+          </a:xfrm>
+        </p:spPr>
+        <p:txBody>
+          <a:bodyPr/>
+          <a:lstStyle/>
+          <a:p>
+            <a:pPr lvl="0" indent="0" marL="0">
+              <a:buNone/>
+            </a:pPr>
+            <a:r>
+              <a:rPr/>
+              <a:t>A quick look at the length of CDNA</a:t>
+            </a:r>
+          </a:p>
+        </p:txBody>
+      </p:sp>
+      <p:sp>
+        <p:nvSpPr>
+          <p:cNvPr id="4" name="Text Placeholder 3"/>
+          <p:cNvSpPr>
+            <a:spLocks noGrp="1"/>
+          </p:cNvSpPr>
+          <p:nvPr>
+            <p:ph idx="2" sz="half" type="body"/>
+          </p:nvPr>
+        </p:nvSpPr>
         <p:spPr/>
         <p:txBody>
           <a:bodyPr/>
           <a:lstStyle/>
           <a:p>
-            <a:pPr lvl="0" indent="0" marL="0">
+            <a:pPr lvl="0" indent="0">
               <a:buNone/>
             </a:pPr>
             <a:r>
-              <a:rPr/>
-              <a:t>Molecular</a:t>
-            </a:r>
-          </a:p>
-        </p:txBody>
-      </p:sp>
+              <a:rPr i="1">
+                <a:solidFill>
+                  <a:srgbClr val="60A0B0"/>
+                </a:solidFill>
+                <a:latin typeface="Courier"/>
+              </a:rPr>
+              <a:t>#Input fasta file save as dna_seqs</a:t>
+            </a:r>
+            <a:br/>
+            <a:r>
+              <a:rPr>
+                <a:latin typeface="Courier"/>
+              </a:rPr>
+              <a:t>dna_seqs </a:t>
+            </a:r>
+            <a:r>
+              <a:rPr>
+                <a:solidFill>
+                  <a:srgbClr val="007020"/>
+                </a:solidFill>
+                <a:latin typeface="Courier"/>
+              </a:rPr>
+              <a:t>&lt;-</a:t>
+            </a:r>
+            <a:r>
+              <a:rPr>
+                <a:latin typeface="Courier"/>
+              </a:rPr>
+              <a:t> </a:t>
+            </a:r>
+            <a:r>
+              <a:rPr>
+                <a:solidFill>
+                  <a:srgbClr val="06287E"/>
+                </a:solidFill>
+                <a:latin typeface="Courier"/>
+              </a:rPr>
+              <a:t>readDNAStringSet</a:t>
+            </a:r>
+            <a:r>
+              <a:rPr>
+                <a:latin typeface="Courier"/>
+              </a:rPr>
+              <a:t>(</a:t>
+            </a:r>
+            <a:r>
+              <a:rPr>
+                <a:solidFill>
+                  <a:srgbClr val="4070A0"/>
+                </a:solidFill>
+                <a:latin typeface="Courier"/>
+              </a:rPr>
+              <a:t>"Sequences/Timd4_Raw_Primate.fasta"</a:t>
+            </a:r>
+            <a:r>
+              <a:rPr>
+                <a:latin typeface="Courier"/>
+              </a:rPr>
+              <a:t>, </a:t>
+            </a:r>
+            <a:r>
+              <a:rPr>
+                <a:solidFill>
+                  <a:srgbClr val="7D9029"/>
+                </a:solidFill>
+                <a:latin typeface="Courier"/>
+              </a:rPr>
+              <a:t>format =</a:t>
+            </a:r>
+            <a:r>
+              <a:rPr>
+                <a:latin typeface="Courier"/>
+              </a:rPr>
+              <a:t> </a:t>
+            </a:r>
+            <a:r>
+              <a:rPr>
+                <a:solidFill>
+                  <a:srgbClr val="4070A0"/>
+                </a:solidFill>
+                <a:latin typeface="Courier"/>
+              </a:rPr>
+              <a:t>"fasta"</a:t>
+            </a:r>
+            <a:r>
+              <a:rPr>
+                <a:latin typeface="Courier"/>
+              </a:rPr>
+              <a:t>)</a:t>
+            </a:r>
+            <a:br/>
+            <a:br/>
+            <a:r>
+              <a:rPr>
+                <a:latin typeface="Courier"/>
+              </a:rPr>
+              <a:t>df </a:t>
+            </a:r>
+            <a:r>
+              <a:rPr>
+                <a:solidFill>
+                  <a:srgbClr val="007020"/>
+                </a:solidFill>
+                <a:latin typeface="Courier"/>
+              </a:rPr>
+              <a:t>&lt;-</a:t>
+            </a:r>
+            <a:r>
+              <a:rPr>
+                <a:latin typeface="Courier"/>
+              </a:rPr>
+              <a:t> </a:t>
+            </a:r>
+            <a:r>
+              <a:rPr>
+                <a:solidFill>
+                  <a:srgbClr val="06287E"/>
+                </a:solidFill>
+                <a:latin typeface="Courier"/>
+              </a:rPr>
+              <a:t>data.frame</a:t>
+            </a:r>
+            <a:r>
+              <a:rPr>
+                <a:latin typeface="Courier"/>
+              </a:rPr>
+              <a:t>(</a:t>
+            </a:r>
+            <a:br/>
+            <a:r>
+              <a:rPr>
+                <a:latin typeface="Courier"/>
+              </a:rPr>
+              <a:t>    </a:t>
+            </a:r>
+            <a:r>
+              <a:rPr>
+                <a:solidFill>
+                  <a:srgbClr val="7D9029"/>
+                </a:solidFill>
+                <a:latin typeface="Courier"/>
+              </a:rPr>
+              <a:t>name =</a:t>
+            </a:r>
+            <a:r>
+              <a:rPr>
+                <a:latin typeface="Courier"/>
+              </a:rPr>
+              <a:t> </a:t>
+            </a:r>
+            <a:r>
+              <a:rPr>
+                <a:solidFill>
+                  <a:srgbClr val="06287E"/>
+                </a:solidFill>
+                <a:latin typeface="Courier"/>
+              </a:rPr>
+              <a:t>sub</a:t>
+            </a:r>
+            <a:r>
+              <a:rPr>
+                <a:latin typeface="Courier"/>
+              </a:rPr>
+              <a:t>(</a:t>
+            </a:r>
+            <a:r>
+              <a:rPr>
+                <a:solidFill>
+                  <a:srgbClr val="4070A0"/>
+                </a:solidFill>
+                <a:latin typeface="Courier"/>
+              </a:rPr>
+              <a:t>" .*"</a:t>
+            </a:r>
+            <a:r>
+              <a:rPr>
+                <a:latin typeface="Courier"/>
+              </a:rPr>
+              <a:t>, </a:t>
+            </a:r>
+            <a:r>
+              <a:rPr>
+                <a:solidFill>
+                  <a:srgbClr val="4070A0"/>
+                </a:solidFill>
+                <a:latin typeface="Courier"/>
+              </a:rPr>
+              <a:t>""</a:t>
+            </a:r>
+            <a:r>
+              <a:rPr>
+                <a:latin typeface="Courier"/>
+              </a:rPr>
+              <a:t>, </a:t>
+            </a:r>
+            <a:r>
+              <a:rPr>
+                <a:solidFill>
+                  <a:srgbClr val="06287E"/>
+                </a:solidFill>
+                <a:latin typeface="Courier"/>
+              </a:rPr>
+              <a:t>names</a:t>
+            </a:r>
+            <a:r>
+              <a:rPr>
+                <a:latin typeface="Courier"/>
+              </a:rPr>
+              <a:t>(dna_seqs)),</a:t>
+            </a:r>
+            <a:br/>
+            <a:r>
+              <a:rPr>
+                <a:latin typeface="Courier"/>
+              </a:rPr>
+              <a:t>    </a:t>
+            </a:r>
+            <a:r>
+              <a:rPr>
+                <a:solidFill>
+                  <a:srgbClr val="7D9029"/>
+                </a:solidFill>
+                <a:latin typeface="Courier"/>
+              </a:rPr>
+              <a:t>length =</a:t>
+            </a:r>
+            <a:r>
+              <a:rPr>
+                <a:latin typeface="Courier"/>
+              </a:rPr>
+              <a:t> </a:t>
+            </a:r>
+            <a:r>
+              <a:rPr>
+                <a:solidFill>
+                  <a:srgbClr val="06287E"/>
+                </a:solidFill>
+                <a:latin typeface="Courier"/>
+              </a:rPr>
+              <a:t>width</a:t>
+            </a:r>
+            <a:r>
+              <a:rPr>
+                <a:latin typeface="Courier"/>
+              </a:rPr>
+              <a:t>(dna_seqs) </a:t>
+            </a:r>
+            <a:r>
+              <a:rPr>
+                <a:solidFill>
+                  <a:srgbClr val="4070A0"/>
+                </a:solidFill>
+                <a:latin typeface="Courier"/>
+              </a:rPr>
+              <a:t>-</a:t>
+            </a:r>
+            <a:r>
+              <a:rPr>
+                <a:latin typeface="Courier"/>
+              </a:rPr>
+              <a:t> </a:t>
+            </a:r>
+            <a:r>
+              <a:rPr>
+                <a:solidFill>
+                  <a:srgbClr val="40A070"/>
+                </a:solidFill>
+                <a:latin typeface="Courier"/>
+              </a:rPr>
+              <a:t>1000</a:t>
+            </a:r>
+            <a:br/>
+            <a:r>
+              <a:rPr>
+                <a:latin typeface="Courier"/>
+              </a:rPr>
+              <a:t>)</a:t>
+            </a:r>
+            <a:br/>
+            <a:br/>
+            <a:r>
+              <a:rPr>
+                <a:solidFill>
+                  <a:srgbClr val="06287E"/>
+                </a:solidFill>
+                <a:latin typeface="Courier"/>
+              </a:rPr>
+              <a:t>ggplot</a:t>
+            </a:r>
+            <a:r>
+              <a:rPr>
+                <a:latin typeface="Courier"/>
+              </a:rPr>
+              <a:t>(df, </a:t>
+            </a:r>
+            <a:r>
+              <a:rPr>
+                <a:solidFill>
+                  <a:srgbClr val="06287E"/>
+                </a:solidFill>
+                <a:latin typeface="Courier"/>
+              </a:rPr>
+              <a:t>aes</a:t>
+            </a:r>
+            <a:r>
+              <a:rPr>
+                <a:latin typeface="Courier"/>
+              </a:rPr>
+              <a:t>(</a:t>
+            </a:r>
+            <a:r>
+              <a:rPr>
+                <a:solidFill>
+                  <a:srgbClr val="7D9029"/>
+                </a:solidFill>
+                <a:latin typeface="Courier"/>
+              </a:rPr>
+              <a:t>x =</a:t>
+            </a:r>
+            <a:r>
+              <a:rPr>
+                <a:latin typeface="Courier"/>
+              </a:rPr>
+              <a:t> length, </a:t>
+            </a:r>
+            <a:r>
+              <a:rPr>
+                <a:solidFill>
+                  <a:srgbClr val="7D9029"/>
+                </a:solidFill>
+                <a:latin typeface="Courier"/>
+              </a:rPr>
+              <a:t>y =</a:t>
+            </a:r>
+            <a:r>
+              <a:rPr>
+                <a:latin typeface="Courier"/>
+              </a:rPr>
+              <a:t> </a:t>
+            </a:r>
+            <a:r>
+              <a:rPr>
+                <a:solidFill>
+                  <a:srgbClr val="06287E"/>
+                </a:solidFill>
+                <a:latin typeface="Courier"/>
+              </a:rPr>
+              <a:t>reorder</a:t>
+            </a:r>
+            <a:r>
+              <a:rPr>
+                <a:latin typeface="Courier"/>
+              </a:rPr>
+              <a:t>(name, length))) </a:t>
+            </a:r>
+            <a:r>
+              <a:rPr>
+                <a:solidFill>
+                  <a:srgbClr val="4070A0"/>
+                </a:solidFill>
+                <a:latin typeface="Courier"/>
+              </a:rPr>
+              <a:t>+</a:t>
+            </a:r>
+            <a:br/>
+            <a:r>
+              <a:rPr>
+                <a:latin typeface="Courier"/>
+              </a:rPr>
+              <a:t>    </a:t>
+            </a:r>
+            <a:r>
+              <a:rPr>
+                <a:solidFill>
+                  <a:srgbClr val="06287E"/>
+                </a:solidFill>
+                <a:latin typeface="Courier"/>
+              </a:rPr>
+              <a:t>geom_col</a:t>
+            </a:r>
+            <a:r>
+              <a:rPr>
+                <a:latin typeface="Courier"/>
+              </a:rPr>
+              <a:t>(</a:t>
+            </a:r>
+            <a:r>
+              <a:rPr>
+                <a:solidFill>
+                  <a:srgbClr val="7D9029"/>
+                </a:solidFill>
+                <a:latin typeface="Courier"/>
+              </a:rPr>
+              <a:t>fill =</a:t>
+            </a:r>
+            <a:r>
+              <a:rPr>
+                <a:latin typeface="Courier"/>
+              </a:rPr>
+              <a:t> </a:t>
+            </a:r>
+            <a:r>
+              <a:rPr>
+                <a:solidFill>
+                  <a:srgbClr val="4070A0"/>
+                </a:solidFill>
+                <a:latin typeface="Courier"/>
+              </a:rPr>
+              <a:t>"indianred1"</a:t>
+            </a:r>
+            <a:r>
+              <a:rPr>
+                <a:latin typeface="Courier"/>
+              </a:rPr>
+              <a:t>) </a:t>
+            </a:r>
+            <a:r>
+              <a:rPr>
+                <a:solidFill>
+                  <a:srgbClr val="4070A0"/>
+                </a:solidFill>
+                <a:latin typeface="Courier"/>
+              </a:rPr>
+              <a:t>+</a:t>
+            </a:r>
+            <a:br/>
+            <a:r>
+              <a:rPr>
+                <a:latin typeface="Courier"/>
+              </a:rPr>
+              <a:t>    </a:t>
+            </a:r>
+            <a:r>
+              <a:rPr>
+                <a:solidFill>
+                  <a:srgbClr val="06287E"/>
+                </a:solidFill>
+                <a:latin typeface="Courier"/>
+              </a:rPr>
+              <a:t>geom_text</a:t>
+            </a:r>
+            <a:r>
+              <a:rPr>
+                <a:latin typeface="Courier"/>
+              </a:rPr>
+              <a:t>(</a:t>
+            </a:r>
+            <a:r>
+              <a:rPr>
+                <a:solidFill>
+                  <a:srgbClr val="06287E"/>
+                </a:solidFill>
+                <a:latin typeface="Courier"/>
+              </a:rPr>
+              <a:t>aes</a:t>
+            </a:r>
+            <a:r>
+              <a:rPr>
+                <a:latin typeface="Courier"/>
+              </a:rPr>
+              <a:t>(</a:t>
+            </a:r>
+            <a:r>
+              <a:rPr>
+                <a:solidFill>
+                  <a:srgbClr val="7D9029"/>
+                </a:solidFill>
+                <a:latin typeface="Courier"/>
+              </a:rPr>
+              <a:t>label =</a:t>
+            </a:r>
+            <a:r>
+              <a:rPr>
+                <a:latin typeface="Courier"/>
+              </a:rPr>
+              <a:t> length), </a:t>
+            </a:r>
+            <a:r>
+              <a:rPr>
+                <a:solidFill>
+                  <a:srgbClr val="7D9029"/>
+                </a:solidFill>
+                <a:latin typeface="Courier"/>
+              </a:rPr>
+              <a:t>size =</a:t>
+            </a:r>
+            <a:r>
+              <a:rPr>
+                <a:latin typeface="Courier"/>
+              </a:rPr>
+              <a:t> </a:t>
+            </a:r>
+            <a:r>
+              <a:rPr>
+                <a:solidFill>
+                  <a:srgbClr val="40A070"/>
+                </a:solidFill>
+                <a:latin typeface="Courier"/>
+              </a:rPr>
+              <a:t>3.5</a:t>
+            </a:r>
+            <a:r>
+              <a:rPr>
+                <a:latin typeface="Courier"/>
+              </a:rPr>
+              <a:t>) </a:t>
+            </a:r>
+            <a:r>
+              <a:rPr>
+                <a:solidFill>
+                  <a:srgbClr val="4070A0"/>
+                </a:solidFill>
+                <a:latin typeface="Courier"/>
+              </a:rPr>
+              <a:t>+</a:t>
+            </a:r>
+            <a:r>
+              <a:rPr>
+                <a:latin typeface="Courier"/>
+              </a:rPr>
+              <a:t> </a:t>
+            </a:r>
+            <a:br/>
+            <a:r>
+              <a:rPr>
+                <a:latin typeface="Courier"/>
+              </a:rPr>
+              <a:t>    </a:t>
+            </a:r>
+            <a:r>
+              <a:rPr>
+                <a:solidFill>
+                  <a:srgbClr val="06287E"/>
+                </a:solidFill>
+                <a:latin typeface="Courier"/>
+              </a:rPr>
+              <a:t>labs</a:t>
+            </a:r>
+            <a:r>
+              <a:rPr>
+                <a:latin typeface="Courier"/>
+              </a:rPr>
+              <a:t>(</a:t>
+            </a:r>
+            <a:r>
+              <a:rPr>
+                <a:solidFill>
+                  <a:srgbClr val="7D9029"/>
+                </a:solidFill>
+                <a:latin typeface="Courier"/>
+              </a:rPr>
+              <a:t>x =</a:t>
+            </a:r>
+            <a:r>
+              <a:rPr>
+                <a:latin typeface="Courier"/>
+              </a:rPr>
+              <a:t> </a:t>
+            </a:r>
+            <a:r>
+              <a:rPr>
+                <a:solidFill>
+                  <a:srgbClr val="4070A0"/>
+                </a:solidFill>
+                <a:latin typeface="Courier"/>
+              </a:rPr>
+              <a:t>"Length above 1000 bp"</a:t>
+            </a:r>
+            <a:r>
+              <a:rPr>
+                <a:latin typeface="Courier"/>
+              </a:rPr>
+              <a:t>, </a:t>
+            </a:r>
+            <a:r>
+              <a:rPr>
+                <a:solidFill>
+                  <a:srgbClr val="7D9029"/>
+                </a:solidFill>
+                <a:latin typeface="Courier"/>
+              </a:rPr>
+              <a:t>y =</a:t>
+            </a:r>
+            <a:r>
+              <a:rPr>
+                <a:latin typeface="Courier"/>
+              </a:rPr>
+              <a:t> </a:t>
+            </a:r>
+            <a:r>
+              <a:rPr>
+                <a:solidFill>
+                  <a:srgbClr val="4070A0"/>
+                </a:solidFill>
+                <a:latin typeface="Courier"/>
+              </a:rPr>
+              <a:t>"Species"</a:t>
+            </a:r>
+            <a:r>
+              <a:rPr>
+                <a:latin typeface="Courier"/>
+              </a:rPr>
+              <a:t>) </a:t>
+            </a:r>
+            <a:r>
+              <a:rPr>
+                <a:solidFill>
+                  <a:srgbClr val="4070A0"/>
+                </a:solidFill>
+                <a:latin typeface="Courier"/>
+              </a:rPr>
+              <a:t>+</a:t>
+            </a:r>
+            <a:br/>
+            <a:r>
+              <a:rPr>
+                <a:latin typeface="Courier"/>
+              </a:rPr>
+              <a:t>    </a:t>
+            </a:r>
+            <a:r>
+              <a:rPr>
+                <a:solidFill>
+                  <a:srgbClr val="06287E"/>
+                </a:solidFill>
+                <a:latin typeface="Courier"/>
+              </a:rPr>
+              <a:t>theme_minimal</a:t>
+            </a:r>
+            <a:r>
+              <a:rPr>
+                <a:latin typeface="Courier"/>
+              </a:rPr>
+              <a:t>(</a:t>
+            </a:r>
+            <a:r>
+              <a:rPr>
+                <a:solidFill>
+                  <a:srgbClr val="7D9029"/>
+                </a:solidFill>
+                <a:latin typeface="Courier"/>
+              </a:rPr>
+              <a:t>base_size =</a:t>
+            </a:r>
+            <a:r>
+              <a:rPr>
+                <a:latin typeface="Courier"/>
+              </a:rPr>
+              <a:t> </a:t>
+            </a:r>
+            <a:r>
+              <a:rPr>
+                <a:solidFill>
+                  <a:srgbClr val="40A070"/>
+                </a:solidFill>
+                <a:latin typeface="Courier"/>
+              </a:rPr>
+              <a:t>12</a:t>
+            </a:r>
+            <a:r>
+              <a:rPr>
+                <a:latin typeface="Courier"/>
+              </a:rPr>
+              <a:t>)</a:t>
+            </a:r>
+          </a:p>
+        </p:txBody>
+      </p:sp>
+      <p:pic>
+        <p:nvPicPr>
+          <p:cNvPr descr="Powerpoint-Markdown_files/figure-pptx/input%20data-1.png" id="0" name="Picture 1"/>
+          <p:cNvPicPr>
+            <a:picLocks noGrp="1" noChangeAspect="1"/>
+          </p:cNvPicPr>
+          <p:nvPr/>
+        </p:nvPicPr>
+        <p:blipFill>
+          <a:blip r:embed="rId2"/>
+          <a:stretch>
+            <a:fillRect/>
+          </a:stretch>
+        </p:blipFill>
+        <p:spPr bwMode="auto">
+          <a:xfrm>
+            <a:off x="3568700" y="355600"/>
+            <a:ext cx="5105400" cy="4089400"/>
+          </a:xfrm>
+          <a:prstGeom prst="rect">
+            <a:avLst/>
+          </a:prstGeom>
+          <a:noFill/>
+          <a:ln w="9525">
+            <a:noFill/>
+            <a:headEnd/>
+            <a:tailEnd/>
+          </a:ln>
+        </p:spPr>
+      </p:pic>
     </p:spTree>
   </p:cSld>
 </p:sld>
@@ -3652,11 +4375,147 @@
             </a:pPr>
             <a:r>
               <a:rPr/>
-              <a:t>Slide with Plot</a:t>
-            </a:r>
-          </a:p>
-        </p:txBody>
-      </p:sp>
+              <a:t>Multiple Seqence Alignment</a:t>
+            </a:r>
+          </a:p>
+        </p:txBody>
+      </p:sp>
+      <p:sp>
+        <p:nvSpPr>
+          <p:cNvPr id="3" name="Content Placeholder 2"/>
+          <p:cNvSpPr>
+            <a:spLocks noGrp="1"/>
+          </p:cNvSpPr>
+          <p:nvPr>
+            <p:ph idx="1"/>
+          </p:nvPr>
+        </p:nvSpPr>
+        <p:spPr/>
+        <p:txBody>
+          <a:bodyPr/>
+          <a:lstStyle/>
+          <a:p>
+            <a:pPr lvl="0" indent="0">
+              <a:buNone/>
+            </a:pPr>
+            <a:r>
+              <a:rPr>
+                <a:solidFill>
+                  <a:srgbClr val="06287E"/>
+                </a:solidFill>
+                <a:latin typeface="Courier"/>
+              </a:rPr>
+              <a:t>print</a:t>
+            </a:r>
+            <a:r>
+              <a:rPr>
+                <a:latin typeface="Courier"/>
+              </a:rPr>
+              <a:t>(aln_codon)</a:t>
+            </a:r>
+          </a:p>
+          <a:p>
+            <a:pPr lvl="0" indent="0">
+              <a:buNone/>
+            </a:pPr>
+            <a:r>
+              <a:rPr>
+                <a:latin typeface="Courier"/>
+              </a:rPr>
+              <a:t>## DNAStringSet object of length 12:
+##      width seq                                              names               
+##  [1]  1155 ATGTCCAAAGAACCTCTCATTCT...AGACGGCCTTTTTACCCTCTAA Homo_sapiens | Hu...
+##  [2]  1155 ATGTCCAAAGAACCTCTCATTCT...AGACGGCCTTTTTACCCTCTAA Pan_troglodytes |...
+##  [3]  1155 ATGTCCAAAGAACCTCTCATTCT...AGACGGCCTTTTTACCCTCTAA Pan_paniscus | Bo...
+##  [4]  1155 ATGTCCAAAGAACCTCTCATTCT...AGACGGCCTTTTTACCCTCTAA Gorilla_gorilla |...
+##  [5]  1155 ATGTCCAAAGAACCTCTCATTCT...AGACGGCCTTTTTACCCTCTAA Pongo_abelii | Su...
+##  ...   ... ...
+##  [8]  1155 ATGTCCAAAGAAACTCTCTTTCT...AGATGGCTTTTTCACCCTCTAA Cebus_capucinus |...
+##  [9]  1155 ATGTCCAAAGAAACTCTGGTTCT...AGACGGCCTTTTCACCCTCTAA Saimiri_boliviens...
+## [10]  1155 ATGTCCAAAGAAACTCTTGTTCT...AGATGGCCTTTTTACCCTCTAA Callithrix_jacchu...
+## [11]  1155 ATGTCCAAAGAACCTCTCATTCT...AGATGGACTTTTTACCCTCTAA Papio_anubis | Ol...
+## [12]  1155 ATGTCCAAAGGACTTCTCGTTTT...AGATGGCCTTTTTACGCTCTAA Lemur_catta | Rin...</a:t>
+            </a:r>
+          </a:p>
+        </p:txBody>
+      </p:sp>
+    </p:spTree>
+  </p:cSld>
+</p:sld>
+</file>
+
+<file path=ppt/slides/slide7.xml><?xml version="1.0" encoding="utf-8"?>
+<p:sld xmlns:a="http://schemas.openxmlformats.org/drawingml/2006/main" xmlns:r="http://schemas.openxmlformats.org/officeDocument/2006/relationships" xmlns:p="http://schemas.openxmlformats.org/presentationml/2006/main">
+  <p:cSld>
+    <p:spTree>
+      <p:nvGrpSpPr>
+        <p:cNvPr id="1" name=""/>
+        <p:cNvGrpSpPr/>
+        <p:nvPr/>
+      </p:nvGrpSpPr>
+      <p:grpSpPr>
+        <a:xfrm>
+          <a:off x="0" y="0"/>
+          <a:ext cx="0" cy="0"/>
+          <a:chOff x="0" y="0"/>
+          <a:chExt cx="0" cy="0"/>
+        </a:xfrm>
+      </p:grpSpPr>
+      <p:sp>
+        <p:nvSpPr>
+          <p:cNvPr id="2" name="Title 1"/>
+          <p:cNvSpPr>
+            <a:spLocks noGrp="1"/>
+          </p:cNvSpPr>
+          <p:nvPr>
+            <p:ph type="title"/>
+          </p:nvPr>
+        </p:nvSpPr>
+        <p:spPr/>
+        <p:txBody>
+          <a:bodyPr/>
+          <a:lstStyle/>
+          <a:p>
+            <a:pPr lvl="0" indent="0" marL="0">
+              <a:buNone/>
+            </a:pPr>
+            <a:r>
+              <a:rPr/>
+              <a:t>Phylogenetic Tree</a:t>
+            </a:r>
+          </a:p>
+        </p:txBody>
+      </p:sp>
+      <p:pic>
+        <p:nvPicPr>
+          <p:cNvPr descr="Powerpoint-Markdown_files/figure-pptx/phylogenetic_tree-1.png" id="0" name="Picture 1"/>
+          <p:cNvPicPr>
+            <a:picLocks noGrp="1" noChangeAspect="1"/>
+          </p:cNvPicPr>
+          <p:nvPr/>
+        </p:nvPicPr>
+        <p:blipFill>
+          <a:blip r:embed="rId2"/>
+          <a:stretch>
+            <a:fillRect/>
+          </a:stretch>
+        </p:blipFill>
+        <p:spPr bwMode="auto">
+          <a:xfrm>
+            <a:off x="2451100" y="1193800"/>
+            <a:ext cx="4241800" cy="3390900"/>
+          </a:xfrm>
+          <a:prstGeom prst="rect">
+            <a:avLst/>
+          </a:prstGeom>
+          <a:noFill/>
+          <a:ln w="9525">
+            <a:noFill/>
+            <a:headEnd/>
+            <a:tailEnd/>
+          </a:ln>
+        </p:spPr>
+      </p:pic>
     </p:spTree>
   </p:cSld>
 </p:sld>
